--- a/DevOps.pptx
+++ b/DevOps.pptx
@@ -17,6 +17,7 @@
     <p:sldId id="265" r:id="rId11"/>
     <p:sldId id="266" r:id="rId12"/>
     <p:sldId id="267" r:id="rId13"/>
+    <p:sldId id="268" r:id="rId14"/>
   </p:sldIdLst>
   <p:sldSz cx="12192000" cy="6858000"/>
   <p:notesSz cx="6858000" cy="9144000"/>
@@ -115,6 +116,11 @@
       </a:defRPr>
     </a:lvl9pPr>
   </p:defaultTextStyle>
+  <p:extLst>
+    <p:ext uri="{EFAFB233-063F-42B5-8137-9DF3F51BA10A}">
+      <p15:sldGuideLst xmlns:p15="http://schemas.microsoft.com/office/powerpoint/2012/main"/>
+    </p:ext>
+  </p:extLst>
 </p:presentation>
 </file>
 
@@ -213,7 +219,7 @@
           <a:effectLst/>
           <a:extLst>
             <a:ext uri="{91240B29-F687-4f45-9708-019B960494DF}">
-              <a14:hiddenLine xmlns:a14="http://schemas.microsoft.com/office/drawing/2010/main" xmlns="" w="9525">
+              <a14:hiddenLine xmlns="" xmlns:a14="http://schemas.microsoft.com/office/drawing/2010/main" w="9525">
                 <a:solidFill>
                   <a:srgbClr val="000000"/>
                 </a:solidFill>
@@ -1723,7 +1729,7 @@
           <a:ln/>
           <a:extLst>
             <a:ext uri="{91240B29-F687-4f45-9708-019B960494DF}">
-              <a14:hiddenLine xmlns:a14="http://schemas.microsoft.com/office/drawing/2010/main" xmlns="" w="9525">
+              <a14:hiddenLine xmlns="" xmlns:a14="http://schemas.microsoft.com/office/drawing/2010/main" w="9525">
                 <a:solidFill>
                   <a:srgbClr val="000000"/>
                 </a:solidFill>
@@ -1995,7 +2001,7 @@
           <a:ln/>
           <a:extLst>
             <a:ext uri="{91240B29-F687-4f45-9708-019B960494DF}">
-              <a14:hiddenLine xmlns:a14="http://schemas.microsoft.com/office/drawing/2010/main" xmlns="" w="9525">
+              <a14:hiddenLine xmlns="" xmlns:a14="http://schemas.microsoft.com/office/drawing/2010/main" w="9525">
                 <a:solidFill>
                   <a:srgbClr val="000000"/>
                 </a:solidFill>
@@ -2275,7 +2281,7 @@
           <a:ln/>
           <a:extLst>
             <a:ext uri="{91240B29-F687-4f45-9708-019B960494DF}">
-              <a14:hiddenLine xmlns:a14="http://schemas.microsoft.com/office/drawing/2010/main" xmlns="" w="9525">
+              <a14:hiddenLine xmlns="" xmlns:a14="http://schemas.microsoft.com/office/drawing/2010/main" w="9525">
                 <a:solidFill>
                   <a:srgbClr val="000000"/>
                 </a:solidFill>
@@ -2895,7 +2901,7 @@
           <a:ln/>
           <a:extLst>
             <a:ext uri="{91240B29-F687-4f45-9708-019B960494DF}">
-              <a14:hiddenLine xmlns:a14="http://schemas.microsoft.com/office/drawing/2010/main" xmlns="" w="9525">
+              <a14:hiddenLine xmlns="" xmlns:a14="http://schemas.microsoft.com/office/drawing/2010/main" w="9525">
                 <a:solidFill>
                   <a:srgbClr val="000000"/>
                 </a:solidFill>
@@ -3231,7 +3237,7 @@
           <a:ln/>
           <a:extLst>
             <a:ext uri="{91240B29-F687-4f45-9708-019B960494DF}">
-              <a14:hiddenLine xmlns:a14="http://schemas.microsoft.com/office/drawing/2010/main" xmlns="" w="9525">
+              <a14:hiddenLine xmlns="" xmlns:a14="http://schemas.microsoft.com/office/drawing/2010/main" w="9525">
                 <a:solidFill>
                   <a:srgbClr val="000000"/>
                 </a:solidFill>
@@ -3705,7 +3711,7 @@
           <a:ln/>
           <a:extLst>
             <a:ext uri="{91240B29-F687-4f45-9708-019B960494DF}">
-              <a14:hiddenLine xmlns:a14="http://schemas.microsoft.com/office/drawing/2010/main" xmlns="" w="9525">
+              <a14:hiddenLine xmlns="" xmlns:a14="http://schemas.microsoft.com/office/drawing/2010/main" w="9525">
                 <a:solidFill>
                   <a:srgbClr val="000000"/>
                 </a:solidFill>
@@ -4128,7 +4134,7 @@
           <a:ln/>
           <a:extLst>
             <a:ext uri="{91240B29-F687-4f45-9708-019B960494DF}">
-              <a14:hiddenLine xmlns:a14="http://schemas.microsoft.com/office/drawing/2010/main" xmlns="" w="9525">
+              <a14:hiddenLine xmlns="" xmlns:a14="http://schemas.microsoft.com/office/drawing/2010/main" w="9525">
                 <a:solidFill>
                   <a:srgbClr val="000000"/>
                 </a:solidFill>
@@ -5637,6 +5643,82 @@
 </p:sld>
 </file>
 
+<file path=ppt/slides/slide13.xml><?xml version="1.0" encoding="utf-8"?>
+<p:sld xmlns:a="http://schemas.openxmlformats.org/drawingml/2006/main" xmlns:r="http://schemas.openxmlformats.org/officeDocument/2006/relationships" xmlns:p="http://schemas.openxmlformats.org/presentationml/2006/main">
+  <p:cSld>
+    <p:spTree>
+      <p:nvGrpSpPr>
+        <p:cNvPr id="1" name=""/>
+        <p:cNvGrpSpPr/>
+        <p:nvPr/>
+      </p:nvGrpSpPr>
+      <p:grpSpPr>
+        <a:xfrm>
+          <a:off x="0" y="0"/>
+          <a:ext cx="0" cy="0"/>
+          <a:chOff x="0" y="0"/>
+          <a:chExt cx="0" cy="0"/>
+        </a:xfrm>
+      </p:grpSpPr>
+      <p:sp>
+        <p:nvSpPr>
+          <p:cNvPr id="2" name="Title 1"/>
+          <p:cNvSpPr>
+            <a:spLocks noGrp="1"/>
+          </p:cNvSpPr>
+          <p:nvPr>
+            <p:ph type="title"/>
+          </p:nvPr>
+        </p:nvSpPr>
+        <p:spPr/>
+        <p:txBody>
+          <a:bodyPr/>
+          <a:lstStyle/>
+          <a:p>
+            <a:r>
+              <a:rPr lang="en-GB" dirty="0" smtClean="0"/>
+              <a:t>Successful nexus build</a:t>
+            </a:r>
+            <a:endParaRPr lang="en-GB" dirty="0"/>
+          </a:p>
+        </p:txBody>
+      </p:sp>
+      <p:pic>
+        <p:nvPicPr>
+          <p:cNvPr id="4" name="Picture 3"/>
+          <p:cNvPicPr>
+            <a:picLocks noChangeAspect="1"/>
+          </p:cNvPicPr>
+          <p:nvPr/>
+        </p:nvPicPr>
+        <p:blipFill rotWithShape="1">
+          <a:blip r:embed="rId2"/>
+          <a:srcRect l="14054" t="17486" r="32690" b="2300"/>
+          <a:stretch/>
+        </p:blipFill>
+        <p:spPr>
+          <a:xfrm>
+            <a:off x="2146300" y="1467377"/>
+            <a:ext cx="6362700" cy="5390623"/>
+          </a:xfrm>
+          <a:prstGeom prst="rect">
+            <a:avLst/>
+          </a:prstGeom>
+        </p:spPr>
+      </p:pic>
+    </p:spTree>
+    <p:extLst>
+      <p:ext uri="{BB962C8B-B14F-4D97-AF65-F5344CB8AC3E}">
+        <p14:creationId xmlns:p14="http://schemas.microsoft.com/office/powerpoint/2010/main" val="891518513"/>
+      </p:ext>
+    </p:extLst>
+  </p:cSld>
+  <p:clrMapOvr>
+    <a:masterClrMapping/>
+  </p:clrMapOvr>
+</p:sld>
+</file>
+
 <file path=ppt/slides/slide2.xml><?xml version="1.0" encoding="utf-8"?>
 <p:sld xmlns:a="http://schemas.openxmlformats.org/drawingml/2006/main" xmlns:r="http://schemas.openxmlformats.org/officeDocument/2006/relationships" xmlns:p="http://schemas.openxmlformats.org/presentationml/2006/main">
   <p:cSld>
@@ -5857,7 +5939,6 @@
               <a:rPr lang="en-GB" dirty="0"/>
               <a:t>Created a bash script to unzip java tar file and install java and git. </a:t>
             </a:r>
-            <a:endParaRPr lang="en-GB" dirty="0"/>
           </a:p>
         </p:txBody>
       </p:sp>
@@ -6033,7 +6114,6 @@
               <a:rPr lang="en-GB" dirty="0"/>
               <a:t>Jenkins installed successfully </a:t>
             </a:r>
-            <a:endParaRPr lang="en-GB" dirty="0"/>
           </a:p>
         </p:txBody>
       </p:sp>
@@ -6116,7 +6196,6 @@
               <a:rPr lang="en-GB" dirty="0"/>
               <a:t>Created bash script to log users and IP address </a:t>
             </a:r>
-            <a:endParaRPr lang="en-GB" dirty="0"/>
           </a:p>
         </p:txBody>
       </p:sp>
